--- a/ppt/chatgpt-misconceptions.pptx
+++ b/ppt/chatgpt-misconceptions.pptx
@@ -246,7 +246,7 @@
           <a:p>
             <a:fld id="{412A36AD-C140-47B5-A0AA-2808AF1C1C9D}" type="datetimeFigureOut">
               <a:rPr lang="en-AU" smtClean="0"/>
-              <a:t>12/2/2025</a:t>
+              <a:t>13/2/2025</a:t>
             </a:fld>
             <a:endParaRPr lang="en-AU"/>
           </a:p>
@@ -411,7 +411,7 @@
           <a:p>
             <a:fld id="{2763829E-EB69-4A98-9D54-8D6822520B27}" type="datetimeFigureOut">
               <a:rPr lang="en-AU" smtClean="0"/>
-              <a:t>12/2/2025</a:t>
+              <a:t>13/2/2025</a:t>
             </a:fld>
             <a:endParaRPr lang="en-AU"/>
           </a:p>
@@ -16015,15 +16015,7 @@
             </a:pPr>
             <a:r>
               <a:rPr lang="en-US" sz="2400" dirty="0"/>
-              <a:t>Yann </a:t>
-            </a:r>
-            <a:r>
-              <a:rPr lang="en-US" sz="2400" dirty="0" err="1"/>
-              <a:t>LeCunn</a:t>
-            </a:r>
-            <a:r>
-              <a:rPr lang="en-US" sz="2400" dirty="0"/>
-              <a:t> (Chief AI Scientist at Meta) </a:t>
+              <a:t>Yann LeCun (Chief AI Scientist at Meta) </a:t>
             </a:r>
             <a:r>
               <a:rPr lang="en-US" sz="2400" dirty="0">
@@ -19783,311 +19775,6 @@
                       </p:childTnLst>
                     </p:cTn>
                   </p:par>
-                  <p:par>
-                    <p:cTn id="28" fill="hold">
-                      <p:stCondLst>
-                        <p:cond delay="indefinite"/>
-                      </p:stCondLst>
-                      <p:childTnLst>
-                        <p:par>
-                          <p:cTn id="29" fill="hold">
-                            <p:stCondLst>
-                              <p:cond delay="0"/>
-                            </p:stCondLst>
-                            <p:childTnLst>
-                              <p:par>
-                                <p:cTn id="30" presetID="10" presetClass="entr" presetSubtype="0" fill="hold" grpId="1" nodeType="clickEffect">
-                                  <p:stCondLst>
-                                    <p:cond delay="0"/>
-                                  </p:stCondLst>
-                                  <p:childTnLst>
-                                    <p:set>
-                                      <p:cBhvr>
-                                        <p:cTn id="31" dur="1" fill="hold">
-                                          <p:stCondLst>
-                                            <p:cond delay="0"/>
-                                          </p:stCondLst>
-                                        </p:cTn>
-                                        <p:tgtEl>
-                                          <p:spTgt spid="2">
-                                            <p:txEl>
-                                              <p:pRg st="0" end="0"/>
-                                            </p:txEl>
-                                          </p:spTgt>
-                                        </p:tgtEl>
-                                        <p:attrNameLst>
-                                          <p:attrName>style.visibility</p:attrName>
-                                        </p:attrNameLst>
-                                      </p:cBhvr>
-                                      <p:to>
-                                        <p:strVal val="visible"/>
-                                      </p:to>
-                                    </p:set>
-                                    <p:animEffect transition="in" filter="fade">
-                                      <p:cBhvr>
-                                        <p:cTn id="32" dur="500"/>
-                                        <p:tgtEl>
-                                          <p:spTgt spid="2">
-                                            <p:txEl>
-                                              <p:pRg st="0" end="0"/>
-                                            </p:txEl>
-                                          </p:spTgt>
-                                        </p:tgtEl>
-                                      </p:cBhvr>
-                                    </p:animEffect>
-                                  </p:childTnLst>
-                                </p:cTn>
-                              </p:par>
-                            </p:childTnLst>
-                          </p:cTn>
-                        </p:par>
-                      </p:childTnLst>
-                    </p:cTn>
-                  </p:par>
-                  <p:par>
-                    <p:cTn id="33" fill="hold">
-                      <p:stCondLst>
-                        <p:cond delay="indefinite"/>
-                      </p:stCondLst>
-                      <p:childTnLst>
-                        <p:par>
-                          <p:cTn id="34" fill="hold">
-                            <p:stCondLst>
-                              <p:cond delay="0"/>
-                            </p:stCondLst>
-                            <p:childTnLst>
-                              <p:par>
-                                <p:cTn id="35" presetID="10" presetClass="entr" presetSubtype="0" fill="hold" grpId="1" nodeType="clickEffect">
-                                  <p:stCondLst>
-                                    <p:cond delay="0"/>
-                                  </p:stCondLst>
-                                  <p:childTnLst>
-                                    <p:set>
-                                      <p:cBhvr>
-                                        <p:cTn id="36" dur="1" fill="hold">
-                                          <p:stCondLst>
-                                            <p:cond delay="0"/>
-                                          </p:stCondLst>
-                                        </p:cTn>
-                                        <p:tgtEl>
-                                          <p:spTgt spid="2">
-                                            <p:txEl>
-                                              <p:pRg st="1" end="1"/>
-                                            </p:txEl>
-                                          </p:spTgt>
-                                        </p:tgtEl>
-                                        <p:attrNameLst>
-                                          <p:attrName>style.visibility</p:attrName>
-                                        </p:attrNameLst>
-                                      </p:cBhvr>
-                                      <p:to>
-                                        <p:strVal val="visible"/>
-                                      </p:to>
-                                    </p:set>
-                                    <p:animEffect transition="in" filter="fade">
-                                      <p:cBhvr>
-                                        <p:cTn id="37" dur="500"/>
-                                        <p:tgtEl>
-                                          <p:spTgt spid="2">
-                                            <p:txEl>
-                                              <p:pRg st="1" end="1"/>
-                                            </p:txEl>
-                                          </p:spTgt>
-                                        </p:tgtEl>
-                                      </p:cBhvr>
-                                    </p:animEffect>
-                                  </p:childTnLst>
-                                </p:cTn>
-                              </p:par>
-                            </p:childTnLst>
-                          </p:cTn>
-                        </p:par>
-                      </p:childTnLst>
-                    </p:cTn>
-                  </p:par>
-                  <p:par>
-                    <p:cTn id="38" fill="hold">
-                      <p:stCondLst>
-                        <p:cond delay="indefinite"/>
-                      </p:stCondLst>
-                      <p:childTnLst>
-                        <p:par>
-                          <p:cTn id="39" fill="hold">
-                            <p:stCondLst>
-                              <p:cond delay="0"/>
-                            </p:stCondLst>
-                            <p:childTnLst>
-                              <p:par>
-                                <p:cTn id="40" presetID="10" presetClass="entr" presetSubtype="0" fill="hold" grpId="1" nodeType="clickEffect">
-                                  <p:stCondLst>
-                                    <p:cond delay="0"/>
-                                  </p:stCondLst>
-                                  <p:childTnLst>
-                                    <p:set>
-                                      <p:cBhvr>
-                                        <p:cTn id="41" dur="1" fill="hold">
-                                          <p:stCondLst>
-                                            <p:cond delay="0"/>
-                                          </p:stCondLst>
-                                        </p:cTn>
-                                        <p:tgtEl>
-                                          <p:spTgt spid="2">
-                                            <p:txEl>
-                                              <p:pRg st="2" end="2"/>
-                                            </p:txEl>
-                                          </p:spTgt>
-                                        </p:tgtEl>
-                                        <p:attrNameLst>
-                                          <p:attrName>style.visibility</p:attrName>
-                                        </p:attrNameLst>
-                                      </p:cBhvr>
-                                      <p:to>
-                                        <p:strVal val="visible"/>
-                                      </p:to>
-                                    </p:set>
-                                    <p:animEffect transition="in" filter="fade">
-                                      <p:cBhvr>
-                                        <p:cTn id="42" dur="500"/>
-                                        <p:tgtEl>
-                                          <p:spTgt spid="2">
-                                            <p:txEl>
-                                              <p:pRg st="2" end="2"/>
-                                            </p:txEl>
-                                          </p:spTgt>
-                                        </p:tgtEl>
-                                      </p:cBhvr>
-                                    </p:animEffect>
-                                  </p:childTnLst>
-                                </p:cTn>
-                              </p:par>
-                            </p:childTnLst>
-                          </p:cTn>
-                        </p:par>
-                      </p:childTnLst>
-                    </p:cTn>
-                  </p:par>
-                  <p:par>
-                    <p:cTn id="43" fill="hold">
-                      <p:stCondLst>
-                        <p:cond delay="indefinite"/>
-                      </p:stCondLst>
-                      <p:childTnLst>
-                        <p:par>
-                          <p:cTn id="44" fill="hold">
-                            <p:stCondLst>
-                              <p:cond delay="0"/>
-                            </p:stCondLst>
-                            <p:childTnLst>
-                              <p:par>
-                                <p:cTn id="45" presetID="10" presetClass="entr" presetSubtype="0" fill="hold" grpId="1" nodeType="clickEffect">
-                                  <p:stCondLst>
-                                    <p:cond delay="0"/>
-                                  </p:stCondLst>
-                                  <p:childTnLst>
-                                    <p:set>
-                                      <p:cBhvr>
-                                        <p:cTn id="46" dur="1" fill="hold">
-                                          <p:stCondLst>
-                                            <p:cond delay="0"/>
-                                          </p:stCondLst>
-                                        </p:cTn>
-                                        <p:tgtEl>
-                                          <p:spTgt spid="2">
-                                            <p:txEl>
-                                              <p:pRg st="3" end="3"/>
-                                            </p:txEl>
-                                          </p:spTgt>
-                                        </p:tgtEl>
-                                        <p:attrNameLst>
-                                          <p:attrName>style.visibility</p:attrName>
-                                        </p:attrNameLst>
-                                      </p:cBhvr>
-                                      <p:to>
-                                        <p:strVal val="visible"/>
-                                      </p:to>
-                                    </p:set>
-                                    <p:animEffect transition="in" filter="fade">
-                                      <p:cBhvr>
-                                        <p:cTn id="47" dur="500"/>
-                                        <p:tgtEl>
-                                          <p:spTgt spid="2">
-                                            <p:txEl>
-                                              <p:pRg st="3" end="3"/>
-                                            </p:txEl>
-                                          </p:spTgt>
-                                        </p:tgtEl>
-                                      </p:cBhvr>
-                                    </p:animEffect>
-                                  </p:childTnLst>
-                                </p:cTn>
-                              </p:par>
-                            </p:childTnLst>
-                          </p:cTn>
-                        </p:par>
-                      </p:childTnLst>
-                    </p:cTn>
-                  </p:par>
-                  <p:par>
-                    <p:cTn id="48" fill="hold">
-                      <p:stCondLst>
-                        <p:cond delay="indefinite"/>
-                      </p:stCondLst>
-                      <p:childTnLst>
-                        <p:par>
-                          <p:cTn id="49" fill="hold">
-                            <p:stCondLst>
-                              <p:cond delay="0"/>
-                            </p:stCondLst>
-                            <p:childTnLst>
-                              <p:par>
-                                <p:cTn id="50" presetID="10" presetClass="entr" presetSubtype="0" fill="hold" grpId="1" nodeType="clickEffect">
-                                  <p:stCondLst>
-                                    <p:cond delay="0"/>
-                                  </p:stCondLst>
-                                  <p:childTnLst>
-                                    <p:set>
-                                      <p:cBhvr>
-                                        <p:cTn id="51" dur="1" fill="hold">
-                                          <p:stCondLst>
-                                            <p:cond delay="0"/>
-                                          </p:stCondLst>
-                                        </p:cTn>
-                                        <p:tgtEl>
-                                          <p:spTgt spid="2">
-                                            <p:txEl>
-                                              <p:pRg st="4" end="4"/>
-                                            </p:txEl>
-                                          </p:spTgt>
-                                        </p:tgtEl>
-                                        <p:attrNameLst>
-                                          <p:attrName>style.visibility</p:attrName>
-                                        </p:attrNameLst>
-                                      </p:cBhvr>
-                                      <p:to>
-                                        <p:strVal val="visible"/>
-                                      </p:to>
-                                    </p:set>
-                                    <p:animEffect transition="in" filter="fade">
-                                      <p:cBhvr>
-                                        <p:cTn id="52" dur="500"/>
-                                        <p:tgtEl>
-                                          <p:spTgt spid="2">
-                                            <p:txEl>
-                                              <p:pRg st="4" end="4"/>
-                                            </p:txEl>
-                                          </p:spTgt>
-                                        </p:tgtEl>
-                                      </p:cBhvr>
-                                    </p:animEffect>
-                                  </p:childTnLst>
-                                </p:cTn>
-                              </p:par>
-                            </p:childTnLst>
-                          </p:cTn>
-                        </p:par>
-                      </p:childTnLst>
-                    </p:cTn>
-                  </p:par>
                 </p:childTnLst>
               </p:cTn>
               <p:prevCondLst>
@@ -20110,8 +19797,7 @@
       </p:par>
     </p:tnLst>
     <p:bldLst>
-      <p:bldP spid="2" grpId="0" build="p"/>
-      <p:bldP spid="2" grpId="1" build="p"/>
+      <p:bldP spid="2" grpId="0" uiExpand="1" build="p"/>
     </p:bldLst>
   </p:timing>
 </p:sld>
